--- a/Prezentáció.pptx
+++ b/Prezentáció.pptx
@@ -4571,7 +4571,7 @@
                 <a16:creationId xmlns:a16="http://schemas.microsoft.com/office/drawing/2014/main" id="{493D4EDA-58E0-40CC-B3CA-14CDEB349D24}"/>
               </a:ext>
               <a:ext uri="{C183D7F6-B498-43B3-948B-1728B52AA6E4}">
-                <adec:decorative xmlns="" xmlns:adec="http://schemas.microsoft.com/office/drawing/2017/decorative" val="1"/>
+                <adec:decorative xmlns:adec="http://schemas.microsoft.com/office/drawing/2017/decorative" xmlns="" val="1"/>
               </a:ext>
             </a:extLst>
           </p:cNvPr>
@@ -4666,7 +4666,7 @@
                 <a16:creationId xmlns:a16="http://schemas.microsoft.com/office/drawing/2014/main" id="{AA9EB0BC-A85E-4C26-B355-5DFCEF6CCB49}"/>
               </a:ext>
               <a:ext uri="{C183D7F6-B498-43B3-948B-1728B52AA6E4}">
-                <adec:decorative xmlns="" xmlns:adec="http://schemas.microsoft.com/office/drawing/2017/decorative" val="1"/>
+                <adec:decorative xmlns:adec="http://schemas.microsoft.com/office/drawing/2017/decorative" xmlns="" val="1"/>
               </a:ext>
             </a:extLst>
           </p:cNvPr>
@@ -4697,7 +4697,7 @@
                   <a16:creationId xmlns:a16="http://schemas.microsoft.com/office/drawing/2014/main" id="{3643E56B-BD42-413D-B17D-7958270F5DE4}"/>
                 </a:ext>
                 <a:ext uri="{C183D7F6-B498-43B3-948B-1728B52AA6E4}">
-                  <adec:decorative xmlns="" xmlns:adec="http://schemas.microsoft.com/office/drawing/2017/decorative" val="1"/>
+                  <adec:decorative xmlns:adec="http://schemas.microsoft.com/office/drawing/2017/decorative" xmlns="" val="1"/>
                 </a:ext>
               </a:extLst>
             </p:cNvPr>
@@ -4749,7 +4749,7 @@
                   <a16:creationId xmlns:a16="http://schemas.microsoft.com/office/drawing/2014/main" id="{96C04F74-9467-4FA5-95DC-8D481A29740E}"/>
                 </a:ext>
                 <a:ext uri="{C183D7F6-B498-43B3-948B-1728B52AA6E4}">
-                  <adec:decorative xmlns="" xmlns:adec="http://schemas.microsoft.com/office/drawing/2017/decorative" val="1"/>
+                  <adec:decorative xmlns:adec="http://schemas.microsoft.com/office/drawing/2017/decorative" xmlns="" val="1"/>
                 </a:ext>
               </a:extLst>
             </p:cNvPr>
@@ -4801,7 +4801,7 @@
                   <a16:creationId xmlns:a16="http://schemas.microsoft.com/office/drawing/2014/main" id="{D73DE1C3-5C37-42E9-A3F0-256F1938327C}"/>
                 </a:ext>
                 <a:ext uri="{C183D7F6-B498-43B3-948B-1728B52AA6E4}">
-                  <adec:decorative xmlns="" xmlns:adec="http://schemas.microsoft.com/office/drawing/2017/decorative" val="1"/>
+                  <adec:decorative xmlns:adec="http://schemas.microsoft.com/office/drawing/2017/decorative" xmlns="" val="1"/>
                 </a:ext>
               </a:extLst>
             </p:cNvPr>
@@ -4854,7 +4854,7 @@
                 <a16:creationId xmlns:a16="http://schemas.microsoft.com/office/drawing/2014/main" id="{4A2E7EC3-E07C-46CE-9B25-41865A50681C}"/>
               </a:ext>
               <a:ext uri="{C183D7F6-B498-43B3-948B-1728B52AA6E4}">
-                <adec:decorative xmlns="" xmlns:adec="http://schemas.microsoft.com/office/drawing/2017/decorative" val="1"/>
+                <adec:decorative xmlns:adec="http://schemas.microsoft.com/office/drawing/2017/decorative" xmlns="" val="1"/>
               </a:ext>
             </a:extLst>
           </p:cNvPr>
@@ -5986,7 +5986,7 @@
         </p:spPr>
         <p:txBody>
           <a:bodyPr>
-            <a:normAutofit/>
+            <a:normAutofit lnSpcReduction="10000"/>
           </a:bodyPr>
           <a:lstStyle/>
           <a:p>
@@ -6130,14 +6130,9 @@
               <a:t>bevezetésre</a:t>
             </a:r>
             <a:r>
-              <a:rPr lang="en-US" dirty="0"/>
+              <a:rPr lang="en-US" dirty="0" smtClean="0"/>
               <a:t>.</a:t>
             </a:r>
-          </a:p>
-          <a:p>
-            <a:pPr marL="0" indent="0">
-              <a:buNone/>
-            </a:pPr>
             <a:endParaRPr lang="en-US" dirty="0"/>
           </a:p>
           <a:p>
@@ -6273,8 +6268,36 @@
               <a:t> </a:t>
             </a:r>
             <a:r>
-              <a:rPr lang="en-US" dirty="0" err="1"/>
+              <a:rPr lang="en-US" dirty="0" err="1" smtClean="0"/>
               <a:t>fejlődés</a:t>
+            </a:r>
+            <a:endParaRPr lang="hu-HU" dirty="0" smtClean="0"/>
+          </a:p>
+          <a:p>
+            <a:pPr marL="0" indent="0">
+              <a:buNone/>
+            </a:pPr>
+            <a:endParaRPr lang="hu-HU" dirty="0" smtClean="0"/>
+          </a:p>
+          <a:p>
+            <a:pPr marL="0" indent="0">
+              <a:buNone/>
+            </a:pPr>
+            <a:r>
+              <a:rPr lang="hu-HU" dirty="0" smtClean="0"/>
+              <a:t>A Program Telepítéséhez </a:t>
+            </a:r>
+            <a:r>
+              <a:rPr lang="hu-HU" smtClean="0"/>
+              <a:t>és futtatásához </a:t>
+            </a:r>
+            <a:r>
+              <a:rPr lang="hu-HU" dirty="0" smtClean="0"/>
+              <a:t>megtalálható az „Útmutató.txt” fájl </a:t>
+            </a:r>
+            <a:r>
+              <a:rPr lang="hu-HU" smtClean="0"/>
+              <a:t>a mappában.</a:t>
             </a:r>
             <a:endParaRPr lang="en-US" dirty="0"/>
           </a:p>
@@ -6322,7 +6345,6 @@
               <a:rPr lang="hu-HU" dirty="0"/>
               <a:t> </a:t>
             </a:r>
-            <a:endParaRPr lang="hu-HU" dirty="0"/>
           </a:p>
         </p:txBody>
       </p:sp>
@@ -9123,6 +9145,15 @@
 </file>
 
 <file path=customXml/item2.xml><?xml version="1.0" encoding="utf-8"?>
+<?mso-contentType ?>
+<FormTemplates xmlns="http://schemas.microsoft.com/sharepoint/v3/contenttype/forms">
+  <Display>DocumentLibraryForm</Display>
+  <Edit>DocumentLibraryForm</Edit>
+  <New>DocumentLibraryForm</New>
+</FormTemplates>
+</file>
+
+<file path=customXml/item3.xml><?xml version="1.0" encoding="utf-8"?>
 <ct:contentTypeSchema xmlns:ct="http://schemas.microsoft.com/office/2006/metadata/contentType" xmlns:ma="http://schemas.microsoft.com/office/2006/metadata/properties/metaAttributes" ct:_="" ma:_="" ma:contentTypeName="Document" ma:contentTypeID="0x01010079F111ED35F8CC479449609E8A0923A6" ma:contentTypeVersion="11" ma:contentTypeDescription="Create a new document." ma:contentTypeScope="" ma:versionID="1c2eb7a32e66fb6e4260f3771546a5e2">
   <xsd:schema xmlns:xsd="http://www.w3.org/2001/XMLSchema" xmlns:xs="http://www.w3.org/2001/XMLSchema" xmlns:p="http://schemas.microsoft.com/office/2006/metadata/properties" xmlns:ns2="71af3243-3dd4-4a8d-8c0d-dd76da1f02a5" xmlns:ns3="16c05727-aa75-4e4a-9b5f-8a80a1165891" targetNamespace="http://schemas.microsoft.com/office/2006/metadata/properties" ma:root="true" ma:fieldsID="04e1f6479c48b08974ba73b5ca973489" ns2:_="" ns3:_="">
     <xsd:import namespace="71af3243-3dd4-4a8d-8c0d-dd76da1f02a5"/>
@@ -9333,15 +9364,6 @@
 </ct:contentTypeSchema>
 </file>
 
-<file path=customXml/item3.xml><?xml version="1.0" encoding="utf-8"?>
-<?mso-contentType ?>
-<FormTemplates xmlns="http://schemas.microsoft.com/sharepoint/v3/contenttype/forms">
-  <Display>DocumentLibraryForm</Display>
-  <Edit>DocumentLibraryForm</Edit>
-  <New>DocumentLibraryForm</New>
-</FormTemplates>
-</file>
-
 <file path=customXml/itemProps1.xml><?xml version="1.0" encoding="utf-8"?>
 <ds:datastoreItem xmlns:ds="http://schemas.openxmlformats.org/officeDocument/2006/customXml" ds:itemID="{1EBC12AA-1C15-4500-BC9C-8EE83A441DE9}">
   <ds:schemaRefs>
@@ -9360,6 +9382,14 @@
 </file>
 
 <file path=customXml/itemProps2.xml><?xml version="1.0" encoding="utf-8"?>
+<ds:datastoreItem xmlns:ds="http://schemas.openxmlformats.org/officeDocument/2006/customXml" ds:itemID="{BA0CF3B2-1F0F-4FC5-8002-3E4869ABAD55}">
+  <ds:schemaRefs>
+    <ds:schemaRef ds:uri="http://schemas.microsoft.com/sharepoint/v3/contenttype/forms"/>
+  </ds:schemaRefs>
+</ds:datastoreItem>
+</file>
+
+<file path=customXml/itemProps3.xml><?xml version="1.0" encoding="utf-8"?>
 <ds:datastoreItem xmlns:ds="http://schemas.openxmlformats.org/officeDocument/2006/customXml" ds:itemID="{1F69AFF4-BB30-4BA0-AD22-82CC3C43276B}">
   <ds:schemaRefs>
     <ds:schemaRef ds:uri="http://schemas.microsoft.com/office/2006/metadata/contentType"/>
@@ -9376,12 +9406,4 @@
     <ds:schemaRef ds:uri="http://schemas.microsoft.com/internal/obd"/>
   </ds:schemaRefs>
 </ds:datastoreItem>
-</file>
-
-<file path=customXml/itemProps3.xml><?xml version="1.0" encoding="utf-8"?>
-<ds:datastoreItem xmlns:ds="http://schemas.openxmlformats.org/officeDocument/2006/customXml" ds:itemID="{BA0CF3B2-1F0F-4FC5-8002-3E4869ABAD55}">
-  <ds:schemaRefs>
-    <ds:schemaRef ds:uri="http://schemas.microsoft.com/sharepoint/v3/contenttype/forms"/>
-  </ds:schemaRefs>
-</ds:datastoreItem>
 </file>